--- a/CaseStudy1/project_files/Budweiser Case Study_final v1.pptx
+++ b/CaseStudy1/project_files/Budweiser Case Study_final v1.pptx
@@ -5,7 +5,7 @@
     <p:sldMasterId id="2147483660" r:id="rId1"/>
   </p:sldMasterIdLst>
   <p:notesMasterIdLst>
-    <p:notesMasterId r:id="rId16"/>
+    <p:notesMasterId r:id="rId17"/>
   </p:notesMasterIdLst>
   <p:sldIdLst>
     <p:sldId id="256" r:id="rId2"/>
@@ -22,6 +22,7 @@
     <p:sldId id="269" r:id="rId13"/>
     <p:sldId id="275" r:id="rId14"/>
     <p:sldId id="274" r:id="rId15"/>
+    <p:sldId id="276" r:id="rId16"/>
   </p:sldIdLst>
   <p:sldSz cx="12192000" cy="6858000"/>
   <p:notesSz cx="6858000" cy="9144000"/>
@@ -3874,15 +3875,7 @@
           <a:p>
             <a:r>
               <a:rPr lang="en-US" dirty="0"/>
-              <a:t>Investigate the Difference between IPA and Ale’s using a </a:t>
-            </a:r>
-            <a:r>
-              <a:rPr lang="en-US" dirty="0" err="1"/>
-              <a:t>kNN</a:t>
-            </a:r>
-            <a:r>
-              <a:rPr lang="en-US" dirty="0"/>
-              <a:t> classifier</a:t>
+              <a:t>Investigate the Difference between IPA and Ale’s using a kNN classifier</a:t>
             </a:r>
           </a:p>
         </p:txBody>
@@ -4467,13 +4460,8 @@
           <a:p>
             <a:r>
               <a:rPr lang="en-US" dirty="0"/>
-              <a:t>Using Naïve Bayes Classifier to compare to </a:t>
+              <a:t>Using Naïve Bayes Classifier to compare to kNN</a:t>
             </a:r>
-            <a:r>
-              <a:rPr lang="en-US" dirty="0" err="1"/>
-              <a:t>kNN</a:t>
-            </a:r>
-            <a:endParaRPr lang="en-US" dirty="0"/>
           </a:p>
           <a:p>
             <a:r>
@@ -5082,15 +5070,7 @@
           <a:p>
             <a:r>
               <a:rPr lang="en-US" dirty="0"/>
-              <a:t>Investigate the Difference between IPA and Ale’s using a </a:t>
-            </a:r>
-            <a:r>
-              <a:rPr lang="en-US" dirty="0" err="1"/>
-              <a:t>kNN</a:t>
-            </a:r>
-            <a:r>
-              <a:rPr lang="en-US" dirty="0"/>
-              <a:t> classifier</a:t>
+              <a:t>Investigate the Difference between IPA and Ale’s using a kNN classifier</a:t>
             </a:r>
           </a:p>
         </p:txBody>
@@ -6682,6 +6662,288 @@
 </p:sld>
 </file>
 
+<file path=ppt/slides/slide15.xml><?xml version="1.0" encoding="utf-8"?>
+<p:sld xmlns:a="http://schemas.openxmlformats.org/drawingml/2006/main" xmlns:r="http://schemas.openxmlformats.org/officeDocument/2006/relationships" xmlns:p="http://schemas.openxmlformats.org/presentationml/2006/main">
+  <p:cSld>
+    <p:spTree>
+      <p:nvGrpSpPr>
+        <p:cNvPr id="1" name=""/>
+        <p:cNvGrpSpPr/>
+        <p:nvPr/>
+      </p:nvGrpSpPr>
+      <p:grpSpPr>
+        <a:xfrm>
+          <a:off x="0" y="0"/>
+          <a:ext cx="0" cy="0"/>
+          <a:chOff x="0" y="0"/>
+          <a:chExt cx="0" cy="0"/>
+        </a:xfrm>
+      </p:grpSpPr>
+      <p:sp>
+        <p:nvSpPr>
+          <p:cNvPr id="2" name="Title 1">
+            <a:extLst>
+              <a:ext uri="{FF2B5EF4-FFF2-40B4-BE49-F238E27FC236}">
+                <a16:creationId xmlns:a16="http://schemas.microsoft.com/office/drawing/2014/main" id="{A1AC4C38-B98F-40E5-BB84-F8272C6CDDA5}"/>
+              </a:ext>
+            </a:extLst>
+          </p:cNvPr>
+          <p:cNvSpPr>
+            <a:spLocks noGrp="1"/>
+          </p:cNvSpPr>
+          <p:nvPr>
+            <p:ph type="title"/>
+          </p:nvPr>
+        </p:nvSpPr>
+        <p:spPr/>
+        <p:txBody>
+          <a:bodyPr/>
+          <a:lstStyle/>
+          <a:p>
+            <a:r>
+              <a:rPr lang="en-US" dirty="0"/>
+              <a:t>Key Takeaways</a:t>
+            </a:r>
+          </a:p>
+        </p:txBody>
+      </p:sp>
+      <p:sp>
+        <p:nvSpPr>
+          <p:cNvPr id="3" name="Content Placeholder 2">
+            <a:extLst>
+              <a:ext uri="{FF2B5EF4-FFF2-40B4-BE49-F238E27FC236}">
+                <a16:creationId xmlns:a16="http://schemas.microsoft.com/office/drawing/2014/main" id="{B6DA03D7-D2DE-4E3A-98C5-16A023689275}"/>
+              </a:ext>
+            </a:extLst>
+          </p:cNvPr>
+          <p:cNvSpPr>
+            <a:spLocks noGrp="1"/>
+          </p:cNvSpPr>
+          <p:nvPr>
+            <p:ph idx="1"/>
+          </p:nvPr>
+        </p:nvSpPr>
+        <p:spPr>
+          <a:xfrm>
+            <a:off x="838200" y="1258349"/>
+            <a:ext cx="6298580" cy="4918614"/>
+          </a:xfrm>
+        </p:spPr>
+        <p:txBody>
+          <a:bodyPr>
+            <a:normAutofit fontScale="92500" lnSpcReduction="20000"/>
+          </a:bodyPr>
+          <a:lstStyle/>
+          <a:p>
+            <a:r>
+              <a:rPr lang="en-US" dirty="0"/>
+              <a:t>East North Central and Pacific Divisions have the Highest Number of Breweries </a:t>
+            </a:r>
+          </a:p>
+          <a:p>
+            <a:r>
+              <a:rPr lang="en-US" dirty="0"/>
+              <a:t>ABV and IBU Values</a:t>
+            </a:r>
+          </a:p>
+          <a:p>
+            <a:pPr lvl="1"/>
+            <a:r>
+              <a:rPr lang="en-US" dirty="0"/>
+              <a:t>ABV </a:t>
+            </a:r>
+          </a:p>
+          <a:p>
+            <a:pPr lvl="2"/>
+            <a:r>
+              <a:rPr lang="en-US" dirty="0"/>
+              <a:t>Not a federal requirement, but is in some states</a:t>
+            </a:r>
+          </a:p>
+          <a:p>
+            <a:pPr lvl="2"/>
+            <a:r>
+              <a:rPr lang="en-US" dirty="0"/>
+              <a:t>ABV </a:t>
+            </a:r>
+            <a:r>
+              <a:rPr lang="en-US"/>
+              <a:t>values not </a:t>
+            </a:r>
+            <a:r>
+              <a:rPr lang="en-US" dirty="0"/>
+              <a:t>always ready when labels </a:t>
+            </a:r>
+            <a:r>
+              <a:rPr lang="en-US"/>
+              <a:t>are submitted to </a:t>
+            </a:r>
+            <a:r>
+              <a:rPr lang="en-US" dirty="0"/>
+              <a:t>TTB (Alcohol and Tobacco Tax and Trade Bureau)</a:t>
+            </a:r>
+          </a:p>
+          <a:p>
+            <a:pPr lvl="1"/>
+            <a:r>
+              <a:rPr lang="en-US" dirty="0"/>
+              <a:t>IBU</a:t>
+            </a:r>
+          </a:p>
+          <a:p>
+            <a:pPr lvl="2"/>
+            <a:r>
+              <a:rPr lang="en-US" dirty="0"/>
+              <a:t>Expensive (big brewers use it for QC, little ones can’t afford it)</a:t>
+            </a:r>
+          </a:p>
+          <a:p>
+            <a:pPr lvl="2"/>
+            <a:r>
+              <a:rPr lang="en-US" dirty="0"/>
+              <a:t>Only measure of chemical compounds known to cause bitterness</a:t>
+            </a:r>
+          </a:p>
+          <a:p>
+            <a:pPr lvl="2"/>
+            <a:r>
+              <a:rPr lang="en-US" dirty="0"/>
+              <a:t>Does not actually predict bitterness (other ingredients balance flavor)</a:t>
+            </a:r>
+          </a:p>
+          <a:p>
+            <a:r>
+              <a:rPr lang="en-US" dirty="0"/>
+              <a:t>Highest Median ABV’s: Atlantic and Mountain Divisions </a:t>
+            </a:r>
+          </a:p>
+          <a:p>
+            <a:r>
+              <a:rPr lang="en-US" dirty="0"/>
+              <a:t>Highest Median IBU’s: South Atlantic and Mountain Divisions</a:t>
+            </a:r>
+          </a:p>
+          <a:p>
+            <a:r>
+              <a:rPr lang="en-US" dirty="0"/>
+              <a:t>Highest ABV: Colorado (Ale – 12.8)</a:t>
+            </a:r>
+          </a:p>
+          <a:p>
+            <a:r>
+              <a:rPr lang="en-US" dirty="0"/>
+              <a:t>Highest IBU: Oregon (IPA  - 138)</a:t>
+            </a:r>
+          </a:p>
+          <a:p>
+            <a:r>
+              <a:rPr lang="en-US" dirty="0"/>
+              <a:t>50% of beers ABV between 5.0 – 6.7</a:t>
+            </a:r>
+          </a:p>
+          <a:p>
+            <a:r>
+              <a:rPr lang="en-US" dirty="0"/>
+              <a:t>Classification: IPA’s fairly easy to distinguish from Ale’s (87% - kNN, 87% - Naïve Bayes)</a:t>
+            </a:r>
+          </a:p>
+          <a:p>
+            <a:endParaRPr lang="en-US" dirty="0"/>
+          </a:p>
+          <a:p>
+            <a:endParaRPr lang="en-US" dirty="0"/>
+          </a:p>
+        </p:txBody>
+      </p:sp>
+      <p:sp>
+        <p:nvSpPr>
+          <p:cNvPr id="4" name="Footer Placeholder 3">
+            <a:extLst>
+              <a:ext uri="{FF2B5EF4-FFF2-40B4-BE49-F238E27FC236}">
+                <a16:creationId xmlns:a16="http://schemas.microsoft.com/office/drawing/2014/main" id="{E763D2BB-88C7-490E-82C6-E142A5D38F58}"/>
+              </a:ext>
+            </a:extLst>
+          </p:cNvPr>
+          <p:cNvSpPr>
+            <a:spLocks noGrp="1"/>
+          </p:cNvSpPr>
+          <p:nvPr>
+            <p:ph type="ftr" sz="quarter" idx="11"/>
+          </p:nvPr>
+        </p:nvSpPr>
+        <p:spPr/>
+        <p:txBody>
+          <a:bodyPr/>
+          <a:lstStyle/>
+          <a:p>
+            <a:r>
+              <a:rPr lang="en-US"/>
+              <a:t>Ben Goodwin &amp; Justin Ehly, MS6306, Tuesday 630p</a:t>
+            </a:r>
+            <a:endParaRPr lang="en-US" dirty="0"/>
+          </a:p>
+        </p:txBody>
+      </p:sp>
+      <p:pic>
+        <p:nvPicPr>
+          <p:cNvPr id="1026" name="Picture 2">
+            <a:extLst>
+              <a:ext uri="{FF2B5EF4-FFF2-40B4-BE49-F238E27FC236}">
+                <a16:creationId xmlns:a16="http://schemas.microsoft.com/office/drawing/2014/main" id="{15DB7784-F966-4A7C-BFB3-56BC46FFD2D4}"/>
+              </a:ext>
+            </a:extLst>
+          </p:cNvPr>
+          <p:cNvPicPr>
+            <a:picLocks noChangeAspect="1" noChangeArrowheads="1"/>
+          </p:cNvPicPr>
+          <p:nvPr/>
+        </p:nvPicPr>
+        <p:blipFill>
+          <a:blip r:embed="rId2">
+            <a:extLst>
+              <a:ext uri="{28A0092B-C50C-407E-A947-70E740481C1C}">
+                <a14:useLocalDpi xmlns:a14="http://schemas.microsoft.com/office/drawing/2010/main" val="0"/>
+              </a:ext>
+            </a:extLst>
+          </a:blip>
+          <a:srcRect/>
+          <a:stretch>
+            <a:fillRect/>
+          </a:stretch>
+        </p:blipFill>
+        <p:spPr bwMode="auto">
+          <a:xfrm>
+            <a:off x="7514086" y="1258349"/>
+            <a:ext cx="4194694" cy="2700334"/>
+          </a:xfrm>
+          <a:prstGeom prst="rect">
+            <a:avLst/>
+          </a:prstGeom>
+          <a:noFill/>
+          <a:extLst>
+            <a:ext uri="{909E8E84-426E-40DD-AFC4-6F175D3DCCD1}">
+              <a14:hiddenFill xmlns:a14="http://schemas.microsoft.com/office/drawing/2010/main">
+                <a:solidFill>
+                  <a:srgbClr val="FFFFFF"/>
+                </a:solidFill>
+              </a14:hiddenFill>
+            </a:ext>
+          </a:extLst>
+        </p:spPr>
+      </p:pic>
+    </p:spTree>
+    <p:extLst>
+      <p:ext uri="{BB962C8B-B14F-4D97-AF65-F5344CB8AC3E}">
+        <p14:creationId xmlns:p14="http://schemas.microsoft.com/office/powerpoint/2010/main" val="4072798611"/>
+      </p:ext>
+    </p:extLst>
+  </p:cSld>
+  <p:clrMapOvr>
+    <a:masterClrMapping/>
+  </p:clrMapOvr>
+</p:sld>
+</file>
+
 <file path=ppt/slides/slide2.xml><?xml version="1.0" encoding="utf-8"?>
 <p:sld xmlns:a="http://schemas.openxmlformats.org/drawingml/2006/main" xmlns:r="http://schemas.openxmlformats.org/officeDocument/2006/relationships" xmlns:p="http://schemas.openxmlformats.org/presentationml/2006/main">
   <p:cSld>
